--- a/20200128-20200131丁家恳.pptx
+++ b/20200128-20200131丁家恳.pptx
@@ -212,7 +212,7 @@
           <a:p>
             <a:fld id="{6A44D4AA-154A-4C98-8943-2FA4FB9D79C2}" type="datetimeFigureOut">
               <a:rPr lang="zh-CN" altLang="en-US" smtClean="0"/>
-              <a:t>2020/1/31</a:t>
+              <a:t>2020/2/3</a:t>
             </a:fld>
             <a:endParaRPr lang="zh-CN" altLang="en-US"/>
           </a:p>
@@ -710,7 +710,7 @@
           <a:p>
             <a:fld id="{9C1C9F8B-F304-4FEF-8744-76D8AD00CA2E}" type="datetimeFigureOut">
               <a:rPr lang="zh-CN" altLang="en-US" smtClean="0"/>
-              <a:t>2020/1/31</a:t>
+              <a:t>2020/2/3</a:t>
             </a:fld>
             <a:endParaRPr lang="zh-CN" altLang="en-US"/>
           </a:p>
@@ -908,7 +908,7 @@
           <a:p>
             <a:fld id="{9C1C9F8B-F304-4FEF-8744-76D8AD00CA2E}" type="datetimeFigureOut">
               <a:rPr lang="zh-CN" altLang="en-US" smtClean="0"/>
-              <a:t>2020/1/31</a:t>
+              <a:t>2020/2/3</a:t>
             </a:fld>
             <a:endParaRPr lang="zh-CN" altLang="en-US"/>
           </a:p>
@@ -1116,7 +1116,7 @@
           <a:p>
             <a:fld id="{9C1C9F8B-F304-4FEF-8744-76D8AD00CA2E}" type="datetimeFigureOut">
               <a:rPr lang="zh-CN" altLang="en-US" smtClean="0"/>
-              <a:t>2020/1/31</a:t>
+              <a:t>2020/2/3</a:t>
             </a:fld>
             <a:endParaRPr lang="zh-CN" altLang="en-US"/>
           </a:p>
@@ -1314,7 +1314,7 @@
           <a:p>
             <a:fld id="{9C1C9F8B-F304-4FEF-8744-76D8AD00CA2E}" type="datetimeFigureOut">
               <a:rPr lang="zh-CN" altLang="en-US" smtClean="0"/>
-              <a:t>2020/1/31</a:t>
+              <a:t>2020/2/3</a:t>
             </a:fld>
             <a:endParaRPr lang="zh-CN" altLang="en-US"/>
           </a:p>
@@ -1589,7 +1589,7 @@
           <a:p>
             <a:fld id="{9C1C9F8B-F304-4FEF-8744-76D8AD00CA2E}" type="datetimeFigureOut">
               <a:rPr lang="zh-CN" altLang="en-US" smtClean="0"/>
-              <a:t>2020/1/31</a:t>
+              <a:t>2020/2/3</a:t>
             </a:fld>
             <a:endParaRPr lang="zh-CN" altLang="en-US"/>
           </a:p>
@@ -1854,7 +1854,7 @@
           <a:p>
             <a:fld id="{9C1C9F8B-F304-4FEF-8744-76D8AD00CA2E}" type="datetimeFigureOut">
               <a:rPr lang="zh-CN" altLang="en-US" smtClean="0"/>
-              <a:t>2020/1/31</a:t>
+              <a:t>2020/2/3</a:t>
             </a:fld>
             <a:endParaRPr lang="zh-CN" altLang="en-US"/>
           </a:p>
@@ -2266,7 +2266,7 @@
           <a:p>
             <a:fld id="{9C1C9F8B-F304-4FEF-8744-76D8AD00CA2E}" type="datetimeFigureOut">
               <a:rPr lang="zh-CN" altLang="en-US" smtClean="0"/>
-              <a:t>2020/1/31</a:t>
+              <a:t>2020/2/3</a:t>
             </a:fld>
             <a:endParaRPr lang="zh-CN" altLang="en-US"/>
           </a:p>
@@ -2407,7 +2407,7 @@
           <a:p>
             <a:fld id="{9C1C9F8B-F304-4FEF-8744-76D8AD00CA2E}" type="datetimeFigureOut">
               <a:rPr lang="zh-CN" altLang="en-US" smtClean="0"/>
-              <a:t>2020/1/31</a:t>
+              <a:t>2020/2/3</a:t>
             </a:fld>
             <a:endParaRPr lang="zh-CN" altLang="en-US"/>
           </a:p>
@@ -2520,7 +2520,7 @@
           <a:p>
             <a:fld id="{9C1C9F8B-F304-4FEF-8744-76D8AD00CA2E}" type="datetimeFigureOut">
               <a:rPr lang="zh-CN" altLang="en-US" smtClean="0"/>
-              <a:t>2020/1/31</a:t>
+              <a:t>2020/2/3</a:t>
             </a:fld>
             <a:endParaRPr lang="zh-CN" altLang="en-US"/>
           </a:p>
@@ -2831,7 +2831,7 @@
           <a:p>
             <a:fld id="{9C1C9F8B-F304-4FEF-8744-76D8AD00CA2E}" type="datetimeFigureOut">
               <a:rPr lang="zh-CN" altLang="en-US" smtClean="0"/>
-              <a:t>2020/1/31</a:t>
+              <a:t>2020/2/3</a:t>
             </a:fld>
             <a:endParaRPr lang="zh-CN" altLang="en-US"/>
           </a:p>
@@ -3119,7 +3119,7 @@
           <a:p>
             <a:fld id="{9C1C9F8B-F304-4FEF-8744-76D8AD00CA2E}" type="datetimeFigureOut">
               <a:rPr lang="zh-CN" altLang="en-US" smtClean="0"/>
-              <a:t>2020/1/31</a:t>
+              <a:t>2020/2/3</a:t>
             </a:fld>
             <a:endParaRPr lang="zh-CN" altLang="en-US"/>
           </a:p>
@@ -3360,7 +3360,7 @@
           <a:p>
             <a:fld id="{9C1C9F8B-F304-4FEF-8744-76D8AD00CA2E}" type="datetimeFigureOut">
               <a:rPr lang="zh-CN" altLang="en-US" smtClean="0"/>
-              <a:t>2020/1/31</a:t>
+              <a:t>2020/2/3</a:t>
             </a:fld>
             <a:endParaRPr lang="zh-CN" altLang="en-US"/>
           </a:p>
@@ -3893,7 +3893,7 @@
                 <a:ea typeface="等线" panose="02010600030101010101" pitchFamily="2" charset="-122"/>
                 <a:cs typeface="+mn-cs"/>
               </a:rPr>
-              <a:t>20200128-20190120</a:t>
+              <a:t>20200128-20190131</a:t>
             </a:r>
             <a:endParaRPr kumimoji="0" lang="zh-CN" altLang="en-US" sz="1800" b="0" i="0" u="none" strike="noStrike" kern="1200" cap="none" spc="0" normalizeH="0" baseline="0" noProof="0" dirty="0">
               <a:ln>
